--- a/MDSite/MDSite/wwwroot/docs/curso/00-Introducción a la programación.pptx
+++ b/MDSite/MDSite/wwwroot/docs/curso/00-Introducción a la programación.pptx
@@ -10,9 +10,10 @@
   <p:sldIdLst>
     <p:sldId id="293" r:id="rId3"/>
     <p:sldId id="294" r:id="rId5"/>
-    <p:sldId id="295" r:id="rId6"/>
-    <p:sldId id="296" r:id="rId7"/>
-    <p:sldId id="297" r:id="rId8"/>
+    <p:sldId id="298" r:id="rId6"/>
+    <p:sldId id="295" r:id="rId7"/>
+    <p:sldId id="296" r:id="rId8"/>
+    <p:sldId id="297" r:id="rId9"/>
   </p:sldIdLst>
   <p:sldSz cx="12192000" cy="6858000"/>
   <p:notesSz cx="6858000" cy="9144000"/>
@@ -598,6 +599,12 @@
         <p:txBody>
           <a:bodyPr/>
           <a:p>
+            <a:r>
+              <a:rPr lang="es-AR" altLang="en-US">
+                <a:sym typeface="+mn-ea"/>
+              </a:rPr>
+              <a:t>Hay que seguir con mas profundidad en la facultad para tener una base bien solida, esto te sirve para acercarte al mercado laboral habiendo hecho un proyecto real completo</a:t>
+            </a:r>
             <a:endParaRPr lang="es-AR" altLang="en-US">
               <a:sym typeface="+mn-ea"/>
             </a:endParaRPr>
@@ -659,6 +666,52 @@
 </file>
 
 <file path=ppt/notesSlides/notesSlide5.xml><?xml version="1.0" encoding="utf-8"?>
+<p:notes xmlns:a="http://schemas.openxmlformats.org/drawingml/2006/main" xmlns:r="http://schemas.openxmlformats.org/officeDocument/2006/relationships" xmlns:p="http://schemas.openxmlformats.org/presentationml/2006/main">
+  <p:cSld>
+    <p:spTree>
+      <p:nvGrpSpPr>
+        <p:cNvPr id="1" name=""/>
+        <p:cNvGrpSpPr/>
+        <p:nvPr/>
+      </p:nvGrpSpPr>
+      <p:grpSpPr/>
+      <p:sp>
+        <p:nvSpPr>
+          <p:cNvPr id="2" name="Slide Image Placeholder 1"/>
+          <p:cNvSpPr/>
+          <p:nvPr>
+            <p:ph type="sldImg" idx="2"/>
+          </p:nvPr>
+        </p:nvSpPr>
+        <p:spPr/>
+      </p:sp>
+      <p:sp>
+        <p:nvSpPr>
+          <p:cNvPr id="3" name="Text Placeholder 2"/>
+          <p:cNvSpPr/>
+          <p:nvPr>
+            <p:ph type="body" idx="3"/>
+          </p:nvPr>
+        </p:nvSpPr>
+        <p:spPr/>
+        <p:txBody>
+          <a:bodyPr/>
+          <a:p>
+            <a:endParaRPr lang="es-AR" altLang="en-US">
+              <a:sym typeface="+mn-ea"/>
+            </a:endParaRPr>
+          </a:p>
+        </p:txBody>
+      </p:sp>
+    </p:spTree>
+  </p:cSld>
+  <p:clrMapOvr>
+    <a:masterClrMapping/>
+  </p:clrMapOvr>
+</p:notes>
+</file>
+
+<file path=ppt/notesSlides/notesSlide6.xml><?xml version="1.0" encoding="utf-8"?>
 <p:notes xmlns:a="http://schemas.openxmlformats.org/drawingml/2006/main" xmlns:r="http://schemas.openxmlformats.org/officeDocument/2006/relationships" xmlns:p="http://schemas.openxmlformats.org/presentationml/2006/main">
   <p:cSld>
     <p:spTree>
@@ -3838,8 +3891,8 @@
         </p:nvSpPr>
         <p:spPr>
           <a:xfrm>
-            <a:off x="466725" y="1883410"/>
-            <a:ext cx="11304270" cy="4835525"/>
+            <a:off x="466725" y="1614170"/>
+            <a:ext cx="11304270" cy="5104765"/>
           </a:xfrm>
         </p:spPr>
         <p:txBody>
@@ -3852,9 +3905,16 @@
               <a:buFont typeface="Arial" panose="020B0604020202020204" pitchFamily="34" charset="0"/>
               <a:buChar char="•"/>
             </a:pPr>
+            <a:endParaRPr lang="es-AR" sz="4800"/>
+          </a:p>
+          <a:p>
+            <a:pPr marL="342900" indent="-342900">
+              <a:buFont typeface="Arial" panose="020B0604020202020204" pitchFamily="34" charset="0"/>
+              <a:buChar char="•"/>
+            </a:pPr>
             <a:r>
               <a:rPr lang="es-AR" sz="4800"/>
-              <a:t>Carrera recomendada</a:t>
+              <a:t>Objetivo: Mindset</a:t>
             </a:r>
             <a:br>
               <a:rPr lang="es-AR" sz="4800"/>
@@ -3866,54 +3926,10 @@
               <a:buFont typeface="Arial" panose="020B0604020202020204" pitchFamily="34" charset="0"/>
             </a:pPr>
             <a:r>
-              <a:rPr lang="es-AR" altLang="en-US" sz="2800"/>
-              <a:t>Universidad Nacional de Quilmes (UNQ)</a:t>
-            </a:r>
-            <a:endParaRPr lang="es-AR" altLang="en-US" sz="2800"/>
-          </a:p>
-          <a:p>
-            <a:pPr>
-              <a:buFont typeface="Arial" panose="020B0604020202020204" pitchFamily="34" charset="0"/>
-            </a:pPr>
-            <a:r>
-              <a:rPr lang="es-AR" altLang="en-US" sz="2800"/>
-              <a:t>Tecnicatura Universitaria en Programación Informática </a:t>
-            </a:r>
-            <a:endParaRPr lang="es-AR" altLang="en-US" sz="2800"/>
-          </a:p>
-          <a:p>
-            <a:pPr>
-              <a:buFont typeface="Arial" panose="020B0604020202020204" pitchFamily="34" charset="0"/>
-            </a:pPr>
-            <a:r>
-              <a:rPr lang="es-AR" altLang="en-US" sz="2800">
-                <a:hlinkClick r:id="rId1" tooltip=""/>
-              </a:rPr>
-              <a:t>http://www.unq.edu.ar/carreras/32-tecnicatura-universitaria-en-programaci%C3%B3n-inform%C3%A1tica.php</a:t>
-            </a:r>
-            <a:endParaRPr lang="es-AR" altLang="en-US" sz="2800">
-              <a:hlinkClick r:id="rId1" tooltip=""/>
-            </a:endParaRPr>
-          </a:p>
-          <a:p>
-            <a:pPr>
-              <a:buFont typeface="Arial" panose="020B0604020202020204" pitchFamily="34" charset="0"/>
-            </a:pPr>
-            <a:r>
-              <a:rPr lang="es-AR" altLang="en-US" sz="2800"/>
-              <a:t>- 3 años de duración</a:t>
-            </a:r>
-            <a:endParaRPr lang="es-AR" altLang="en-US" sz="2800"/>
-          </a:p>
-          <a:p>
-            <a:pPr>
-              <a:buFont typeface="Arial" panose="020B0604020202020204" pitchFamily="34" charset="0"/>
-            </a:pPr>
-            <a:r>
-              <a:rPr lang="es-AR" altLang="en-US" sz="2800"/>
-              <a:t>- Gratuita</a:t>
-            </a:r>
-            <a:endParaRPr lang="es-AR" altLang="en-US" sz="2800"/>
+              <a:rPr lang="es-AR" altLang="en-US" sz="4800"/>
+              <a:t>Convertirse en un programador orientado al desarrollo orgánico, evolutivo y capaz de generar productos de software valiosos</a:t>
+            </a:r>
+            <a:endParaRPr lang="es-AR" altLang="en-US" sz="4800"/>
           </a:p>
         </p:txBody>
       </p:sp>
@@ -4043,7 +4059,7 @@
             </a:pPr>
             <a:r>
               <a:rPr lang="es-AR" altLang="en-US" sz="2800"/>
-              <a:t>Universidad Tecnológica Nacional (UTN)</a:t>
+              <a:t>Universidad Nacional de Quilmes (UNQ)</a:t>
             </a:r>
             <a:endParaRPr lang="es-AR" altLang="en-US" sz="2800"/>
           </a:p>
@@ -4053,7 +4069,7 @@
             </a:pPr>
             <a:r>
               <a:rPr lang="es-AR" altLang="en-US" sz="2800"/>
-              <a:t>Tecnicatura Universitaria en Programación</a:t>
+              <a:t>Tecnicatura Universitaria en Programación Informática </a:t>
             </a:r>
             <a:endParaRPr lang="es-AR" altLang="en-US" sz="2800"/>
           </a:p>
@@ -4063,12 +4079,12 @@
             </a:pPr>
             <a:r>
               <a:rPr lang="es-AR" altLang="en-US" sz="2800">
-                <a:hlinkClick r:id="rId1" tooltip=""/>
+                <a:hlinkClick r:id="rId1"/>
               </a:rPr>
-              <a:t>http://www.sistemas-utnfra.com.ar/#/pages/carrera/tecnico-programacion/resumen</a:t>
+              <a:t>http://www.unq.edu.ar/carreras/32-tecnicatura-universitaria-en-programaci%C3%B3n-inform%C3%A1tica.php</a:t>
             </a:r>
             <a:endParaRPr lang="es-AR" altLang="en-US" sz="2800">
-              <a:hlinkClick r:id="rId1" tooltip=""/>
+              <a:hlinkClick r:id="rId1"/>
             </a:endParaRPr>
           </a:p>
           <a:p>
@@ -4077,7 +4093,7 @@
             </a:pPr>
             <a:r>
               <a:rPr lang="es-AR" altLang="en-US" sz="2800"/>
-              <a:t>- 2 años de duración</a:t>
+              <a:t>- 3 años de duración</a:t>
             </a:r>
             <a:endParaRPr lang="es-AR" altLang="en-US" sz="2800"/>
           </a:p>
@@ -4087,7 +4103,7 @@
             </a:pPr>
             <a:r>
               <a:rPr lang="es-AR" altLang="en-US" sz="2800"/>
-              <a:t>- Arancelada</a:t>
+              <a:t>- Gratuita</a:t>
             </a:r>
             <a:endParaRPr lang="es-AR" altLang="en-US" sz="2800"/>
           </a:p>
@@ -4206,7 +4222,7 @@
             </a:pPr>
             <a:r>
               <a:rPr lang="es-AR" sz="4800"/>
-              <a:t>Cursos online</a:t>
+              <a:t>Carrera recomendada</a:t>
             </a:r>
             <a:br>
               <a:rPr lang="es-AR" sz="4800"/>
@@ -4218,6 +4234,182 @@
               <a:buFont typeface="Arial" panose="020B0604020202020204" pitchFamily="34" charset="0"/>
             </a:pPr>
             <a:r>
+              <a:rPr lang="es-AR" altLang="en-US" sz="2800"/>
+              <a:t>Universidad Tecnológica Nacional (UTN)</a:t>
+            </a:r>
+            <a:endParaRPr lang="es-AR" altLang="en-US" sz="2800"/>
+          </a:p>
+          <a:p>
+            <a:pPr>
+              <a:buFont typeface="Arial" panose="020B0604020202020204" pitchFamily="34" charset="0"/>
+            </a:pPr>
+            <a:r>
+              <a:rPr lang="es-AR" altLang="en-US" sz="2800"/>
+              <a:t>Tecnicatura Universitaria en Programación</a:t>
+            </a:r>
+            <a:endParaRPr lang="es-AR" altLang="en-US" sz="2800"/>
+          </a:p>
+          <a:p>
+            <a:pPr>
+              <a:buFont typeface="Arial" panose="020B0604020202020204" pitchFamily="34" charset="0"/>
+            </a:pPr>
+            <a:r>
+              <a:rPr lang="es-AR" altLang="en-US" sz="2800">
+                <a:hlinkClick r:id="rId1"/>
+              </a:rPr>
+              <a:t>http://www.sistemas-utnfra.com.ar/#/pages/carrera/tecnico-programacion/resumen</a:t>
+            </a:r>
+            <a:endParaRPr lang="es-AR" altLang="en-US" sz="2800">
+              <a:hlinkClick r:id="rId1"/>
+            </a:endParaRPr>
+          </a:p>
+          <a:p>
+            <a:pPr>
+              <a:buFont typeface="Arial" panose="020B0604020202020204" pitchFamily="34" charset="0"/>
+            </a:pPr>
+            <a:r>
+              <a:rPr lang="es-AR" altLang="en-US" sz="2800"/>
+              <a:t>- 2 años de duración</a:t>
+            </a:r>
+            <a:endParaRPr lang="es-AR" altLang="en-US" sz="2800"/>
+          </a:p>
+          <a:p>
+            <a:pPr>
+              <a:buFont typeface="Arial" panose="020B0604020202020204" pitchFamily="34" charset="0"/>
+            </a:pPr>
+            <a:r>
+              <a:rPr lang="es-AR" altLang="en-US" sz="2800"/>
+              <a:t>- Arancelada</a:t>
+            </a:r>
+            <a:endParaRPr lang="es-AR" altLang="en-US" sz="2800"/>
+          </a:p>
+        </p:txBody>
+      </p:sp>
+      <p:cxnSp>
+        <p:nvCxnSpPr>
+          <p:cNvPr id="4" name="Straight Connector 3"/>
+          <p:cNvCxnSpPr/>
+          <p:nvPr/>
+        </p:nvCxnSpPr>
+        <p:spPr>
+          <a:xfrm>
+            <a:off x="774065" y="1526540"/>
+            <a:ext cx="10835640" cy="0"/>
+          </a:xfrm>
+          <a:prstGeom prst="line">
+            <a:avLst/>
+          </a:prstGeom>
+        </p:spPr>
+        <p:style>
+          <a:lnRef idx="1">
+            <a:schemeClr val="accent1"/>
+          </a:lnRef>
+          <a:fillRef idx="0">
+            <a:schemeClr val="accent1"/>
+          </a:fillRef>
+          <a:effectRef idx="0">
+            <a:schemeClr val="accent1"/>
+          </a:effectRef>
+          <a:fontRef idx="minor">
+            <a:schemeClr val="tx1"/>
+          </a:fontRef>
+        </p:style>
+      </p:cxnSp>
+    </p:spTree>
+  </p:cSld>
+  <p:clrMapOvr>
+    <a:masterClrMapping/>
+  </p:clrMapOvr>
+</p:sld>
+</file>
+
+<file path=ppt/slides/slide6.xml><?xml version="1.0" encoding="utf-8"?>
+<p:sld xmlns:a="http://schemas.openxmlformats.org/drawingml/2006/main" xmlns:r="http://schemas.openxmlformats.org/officeDocument/2006/relationships" xmlns:p="http://schemas.openxmlformats.org/presentationml/2006/main">
+  <p:cSld>
+    <p:spTree>
+      <p:nvGrpSpPr>
+        <p:cNvPr id="1" name=""/>
+        <p:cNvGrpSpPr/>
+        <p:nvPr/>
+      </p:nvGrpSpPr>
+      <p:grpSpPr>
+        <a:xfrm>
+          <a:off x="0" y="0"/>
+          <a:ext cx="0" cy="0"/>
+          <a:chOff x="0" y="0"/>
+          <a:chExt cx="0" cy="0"/>
+        </a:xfrm>
+      </p:grpSpPr>
+      <p:sp>
+        <p:nvSpPr>
+          <p:cNvPr id="2" name="Title 1"/>
+          <p:cNvSpPr>
+            <a:spLocks noGrp="1"/>
+          </p:cNvSpPr>
+          <p:nvPr>
+            <p:ph type="ctrTitle"/>
+          </p:nvPr>
+        </p:nvSpPr>
+        <p:spPr>
+          <a:xfrm>
+            <a:off x="1196975" y="213360"/>
+            <a:ext cx="10111740" cy="1225550"/>
+          </a:xfrm>
+        </p:spPr>
+        <p:txBody>
+          <a:bodyPr>
+            <a:normAutofit fontScale="90000"/>
+          </a:bodyPr>
+          <a:lstStyle/>
+          <a:p>
+            <a:r>
+              <a:rPr lang="es-AR" altLang="en-US" sz="6400" b="1" dirty="0"/>
+              <a:t>Introducción a la Programación</a:t>
+            </a:r>
+            <a:endParaRPr lang="es-AR" altLang="en-US" sz="6400" b="1" dirty="0"/>
+          </a:p>
+        </p:txBody>
+      </p:sp>
+      <p:sp>
+        <p:nvSpPr>
+          <p:cNvPr id="3" name="Subtitle 2"/>
+          <p:cNvSpPr>
+            <a:spLocks noGrp="1"/>
+          </p:cNvSpPr>
+          <p:nvPr>
+            <p:ph type="subTitle" idx="1"/>
+          </p:nvPr>
+        </p:nvSpPr>
+        <p:spPr>
+          <a:xfrm>
+            <a:off x="466725" y="1883410"/>
+            <a:ext cx="11304270" cy="4835525"/>
+          </a:xfrm>
+        </p:spPr>
+        <p:txBody>
+          <a:bodyPr>
+            <a:noAutofit/>
+          </a:bodyPr>
+          <a:lstStyle/>
+          <a:p>
+            <a:pPr marL="342900" indent="-342900">
+              <a:buFont typeface="Arial" panose="020B0604020202020204" pitchFamily="34" charset="0"/>
+              <a:buChar char="•"/>
+            </a:pPr>
+            <a:r>
+              <a:rPr lang="es-AR" sz="4800"/>
+              <a:t>Cursos online</a:t>
+            </a:r>
+            <a:br>
+              <a:rPr lang="es-AR" sz="4800"/>
+            </a:br>
+            <a:endParaRPr lang="es-AR" sz="4800"/>
+          </a:p>
+          <a:p>
+            <a:pPr>
+              <a:buFont typeface="Arial" panose="020B0604020202020204" pitchFamily="34" charset="0"/>
+            </a:pPr>
+            <a:r>
               <a:rPr lang="es-AR" altLang="en-US" sz="2800" b="1"/>
               <a:t>Google</a:t>
             </a:r>
@@ -4227,13 +4419,13 @@
             </a:r>
             <a:r>
               <a:rPr lang="es-AR" altLang="en-US" sz="2800">
-                <a:hlinkClick r:id="rId1" tooltip="" action="ppaction://hlinkfile"/>
+                <a:hlinkClick r:id="rId1" action="ppaction://hlinkfile"/>
               </a:rPr>
               <a:t>https://learndigital.withgoogle.com/activate/course/basics-code</a:t>
             </a:r>
             <a:br>
               <a:rPr lang="es-AR" altLang="en-US" sz="2800">
-                <a:hlinkClick r:id="rId1" tooltip="" action="ppaction://hlinkfile"/>
+                <a:hlinkClick r:id="rId1" action="ppaction://hlinkfile"/>
               </a:rPr>
             </a:br>
             <a:endParaRPr lang="es-AR" altLang="en-US" sz="2800"/>
@@ -4257,13 +4449,13 @@
             <a:r>
               <a:rPr lang="es-AR" altLang="en-US" sz="2800">
                 <a:sym typeface="+mn-ea"/>
-                <a:hlinkClick r:id="rId2" tooltip="" action="ppaction://hlinkfile"/>
+                <a:hlinkClick r:id="rId2" action="ppaction://hlinkfile"/>
               </a:rPr>
               <a:t>https://learn.microsoft.com/es-es/training/modules/web-development-101-introduction-programming/</a:t>
             </a:r>
             <a:endParaRPr lang="es-AR" altLang="en-US" sz="2800">
               <a:sym typeface="+mn-ea"/>
-              <a:hlinkClick r:id="rId2" tooltip="" action="ppaction://hlinkfile"/>
+              <a:hlinkClick r:id="rId2" action="ppaction://hlinkfile"/>
             </a:endParaRPr>
           </a:p>
           <a:p>
@@ -4273,7 +4465,7 @@
             <a:br>
               <a:rPr lang="es-AR" altLang="en-US" sz="2800" b="1">
                 <a:sym typeface="+mn-ea"/>
-                <a:hlinkClick r:id="rId2" tooltip="" action="ppaction://hlinkfile"/>
+                <a:hlinkClick r:id="rId2" action="ppaction://hlinkfile"/>
               </a:rPr>
             </a:br>
             <a:r>
@@ -4282,12 +4474,12 @@
             </a:r>
             <a:r>
               <a:rPr lang="es-AR" altLang="en-US" sz="2800">
-                <a:hlinkClick r:id="rId3" tooltip="" action="ppaction://hlinkfile"/>
+                <a:hlinkClick r:id="rId3" action="ppaction://hlinkfile"/>
               </a:rPr>
               <a:t>https://www.coursera.org/search?query=programacion</a:t>
             </a:r>
             <a:endParaRPr lang="es-AR" altLang="en-US" sz="2800">
-              <a:hlinkClick r:id="rId3" tooltip="" action="ppaction://hlinkfile"/>
+              <a:hlinkClick r:id="rId3" action="ppaction://hlinkfile"/>
             </a:endParaRPr>
           </a:p>
           <a:p>
@@ -4295,7 +4487,7 @@
               <a:buFont typeface="Arial" panose="020B0604020202020204" pitchFamily="34" charset="0"/>
             </a:pPr>
             <a:endParaRPr lang="es-AR" altLang="en-US" sz="2800">
-              <a:hlinkClick r:id="rId3" tooltip="" action="ppaction://hlinkfile"/>
+              <a:hlinkClick r:id="rId3" action="ppaction://hlinkfile"/>
             </a:endParaRPr>
           </a:p>
         </p:txBody>

--- a/MDSite/MDSite/wwwroot/docs/curso/00-Introducción a la programación.pptx
+++ b/MDSite/MDSite/wwwroot/docs/curso/00-Introducción a la programación.pptx
@@ -4257,7 +4257,7 @@
               <a:rPr lang="es-AR" altLang="en-US" sz="2800">
                 <a:hlinkClick r:id="rId1"/>
               </a:rPr>
-              <a:t>http://www.sistemas-utnfra.com.ar/#/pages/carrera/tecnico-programacion/resumen</a:t>
+              <a:t>https://fra.utn.edu.ar/tecnicatura-universitaria/</a:t>
             </a:r>
             <a:endParaRPr lang="es-AR" altLang="en-US" sz="2800">
               <a:hlinkClick r:id="rId1"/>
